--- a/project/dse241 - project proposal - AH.pptx
+++ b/project/dse241 - project proposal - AH.pptx
@@ -26287,8 +26287,13 @@
           <a:p>
             <a:r>
               <a:rPr lang="en-US" sz="2400" dirty="0"/>
-              <a:t>Dynamic dashboard that demonstrates measurement levels at different rain accumulations (slider) and dates (slider_</a:t>
+              <a:t>Dynamic dashboard that demonstrates measurement levels at different rain accumulations (slider) and dates </a:t>
             </a:r>
+            <a:r>
+              <a:rPr lang="en-US" sz="2400"/>
+              <a:t>(slider)</a:t>
+            </a:r>
+            <a:endParaRPr lang="en-US" sz="2400" dirty="0"/>
           </a:p>
           <a:p>
             <a:endParaRPr lang="en-US" sz="2400" dirty="0"/>
